--- a/test_ppt.pptx
+++ b/test_ppt.pptx
@@ -104,11 +104,6 @@
       </a:defRPr>
     </a:lvl9pPr>
   </p:defaultTextStyle>
-  <p:extLst>
-    <p:ext uri="{EFAFB233-063F-42B5-8137-9DF3F51BA10A}">
-      <p15:sldGuideLst xmlns:p15="http://schemas.microsoft.com/office/powerpoint/2012/main"/>
-    </p:ext>
-  </p:extLst>
 </p:presentation>
 </file>
 
@@ -154,9 +149,10 @@
           </a:lstStyle>
           <a:p>
             <a:r>
-              <a:rPr lang="en-US"/>
+              <a:rPr lang="en-US" smtClean="0"/>
               <a:t>Click to edit Master title style</a:t>
             </a:r>
+            <a:endParaRPr lang="en-US"/>
           </a:p>
         </p:txBody>
       </p:sp>
@@ -218,9 +214,10 @@
           </a:lstStyle>
           <a:p>
             <a:r>
-              <a:rPr lang="en-US"/>
+              <a:rPr lang="en-US" smtClean="0"/>
               <a:t>Click to edit Master subtitle style</a:t>
             </a:r>
+            <a:endParaRPr lang="en-US"/>
           </a:p>
         </p:txBody>
       </p:sp>
@@ -241,7 +238,7 @@
           <a:p>
             <a:fld id="{7C8EC96E-A8D7-4C40-A2B8-E22CA9319E62}" type="datetimeFigureOut">
               <a:rPr lang="en-US" smtClean="0"/>
-              <a:t>8/19/2024</a:t>
+              <a:t>6/3/2021</a:t>
             </a:fld>
             <a:endParaRPr lang="en-US"/>
           </a:p>
@@ -335,9 +332,10 @@
           <a:lstStyle/>
           <a:p>
             <a:r>
-              <a:rPr lang="en-US"/>
+              <a:rPr lang="en-US" smtClean="0"/>
               <a:t>Click to edit Master title style</a:t>
             </a:r>
+            <a:endParaRPr lang="en-US"/>
           </a:p>
         </p:txBody>
       </p:sp>
@@ -358,37 +356,38 @@
           <a:p>
             <a:pPr lvl="0"/>
             <a:r>
-              <a:rPr lang="en-US"/>
+              <a:rPr lang="en-US" smtClean="0"/>
               <a:t>Edit Master text styles</a:t>
             </a:r>
           </a:p>
           <a:p>
             <a:pPr lvl="1"/>
             <a:r>
-              <a:rPr lang="en-US"/>
+              <a:rPr lang="en-US" smtClean="0"/>
               <a:t>Second level</a:t>
             </a:r>
           </a:p>
           <a:p>
             <a:pPr lvl="2"/>
             <a:r>
-              <a:rPr lang="en-US"/>
+              <a:rPr lang="en-US" smtClean="0"/>
               <a:t>Third level</a:t>
             </a:r>
           </a:p>
           <a:p>
             <a:pPr lvl="3"/>
             <a:r>
-              <a:rPr lang="en-US"/>
+              <a:rPr lang="en-US" smtClean="0"/>
               <a:t>Fourth level</a:t>
             </a:r>
           </a:p>
           <a:p>
             <a:pPr lvl="4"/>
             <a:r>
-              <a:rPr lang="en-US"/>
+              <a:rPr lang="en-US" smtClean="0"/>
               <a:t>Fifth level</a:t>
             </a:r>
+            <a:endParaRPr lang="en-US"/>
           </a:p>
         </p:txBody>
       </p:sp>
@@ -409,7 +408,7 @@
           <a:p>
             <a:fld id="{7C8EC96E-A8D7-4C40-A2B8-E22CA9319E62}" type="datetimeFigureOut">
               <a:rPr lang="en-US" smtClean="0"/>
-              <a:t>8/19/2024</a:t>
+              <a:t>6/3/2021</a:t>
             </a:fld>
             <a:endParaRPr lang="en-US"/>
           </a:p>
@@ -508,9 +507,10 @@
           <a:lstStyle/>
           <a:p>
             <a:r>
-              <a:rPr lang="en-US"/>
+              <a:rPr lang="en-US" smtClean="0"/>
               <a:t>Click to edit Master title style</a:t>
             </a:r>
+            <a:endParaRPr lang="en-US"/>
           </a:p>
         </p:txBody>
       </p:sp>
@@ -536,37 +536,38 @@
           <a:p>
             <a:pPr lvl="0"/>
             <a:r>
-              <a:rPr lang="en-US"/>
+              <a:rPr lang="en-US" smtClean="0"/>
               <a:t>Edit Master text styles</a:t>
             </a:r>
           </a:p>
           <a:p>
             <a:pPr lvl="1"/>
             <a:r>
-              <a:rPr lang="en-US"/>
+              <a:rPr lang="en-US" smtClean="0"/>
               <a:t>Second level</a:t>
             </a:r>
           </a:p>
           <a:p>
             <a:pPr lvl="2"/>
             <a:r>
-              <a:rPr lang="en-US"/>
+              <a:rPr lang="en-US" smtClean="0"/>
               <a:t>Third level</a:t>
             </a:r>
           </a:p>
           <a:p>
             <a:pPr lvl="3"/>
             <a:r>
-              <a:rPr lang="en-US"/>
+              <a:rPr lang="en-US" smtClean="0"/>
               <a:t>Fourth level</a:t>
             </a:r>
           </a:p>
           <a:p>
             <a:pPr lvl="4"/>
             <a:r>
-              <a:rPr lang="en-US"/>
+              <a:rPr lang="en-US" smtClean="0"/>
               <a:t>Fifth level</a:t>
             </a:r>
+            <a:endParaRPr lang="en-US"/>
           </a:p>
         </p:txBody>
       </p:sp>
@@ -587,7 +588,7 @@
           <a:p>
             <a:fld id="{7C8EC96E-A8D7-4C40-A2B8-E22CA9319E62}" type="datetimeFigureOut">
               <a:rPr lang="en-US" smtClean="0"/>
-              <a:t>8/19/2024</a:t>
+              <a:t>6/3/2021</a:t>
             </a:fld>
             <a:endParaRPr lang="en-US"/>
           </a:p>
@@ -681,9 +682,10 @@
           <a:lstStyle/>
           <a:p>
             <a:r>
-              <a:rPr lang="en-US"/>
+              <a:rPr lang="en-US" smtClean="0"/>
               <a:t>Click to edit Master title style</a:t>
             </a:r>
+            <a:endParaRPr lang="en-US"/>
           </a:p>
         </p:txBody>
       </p:sp>
@@ -704,37 +706,38 @@
           <a:p>
             <a:pPr lvl="0"/>
             <a:r>
-              <a:rPr lang="en-US"/>
+              <a:rPr lang="en-US" smtClean="0"/>
               <a:t>Edit Master text styles</a:t>
             </a:r>
           </a:p>
           <a:p>
             <a:pPr lvl="1"/>
             <a:r>
-              <a:rPr lang="en-US"/>
+              <a:rPr lang="en-US" smtClean="0"/>
               <a:t>Second level</a:t>
             </a:r>
           </a:p>
           <a:p>
             <a:pPr lvl="2"/>
             <a:r>
-              <a:rPr lang="en-US"/>
+              <a:rPr lang="en-US" smtClean="0"/>
               <a:t>Third level</a:t>
             </a:r>
           </a:p>
           <a:p>
             <a:pPr lvl="3"/>
             <a:r>
-              <a:rPr lang="en-US"/>
+              <a:rPr lang="en-US" smtClean="0"/>
               <a:t>Fourth level</a:t>
             </a:r>
           </a:p>
           <a:p>
             <a:pPr lvl="4"/>
             <a:r>
-              <a:rPr lang="en-US"/>
+              <a:rPr lang="en-US" smtClean="0"/>
               <a:t>Fifth level</a:t>
             </a:r>
+            <a:endParaRPr lang="en-US"/>
           </a:p>
         </p:txBody>
       </p:sp>
@@ -755,7 +758,7 @@
           <a:p>
             <a:fld id="{7C8EC96E-A8D7-4C40-A2B8-E22CA9319E62}" type="datetimeFigureOut">
               <a:rPr lang="en-US" smtClean="0"/>
-              <a:t>8/19/2024</a:t>
+              <a:t>6/3/2021</a:t>
             </a:fld>
             <a:endParaRPr lang="en-US"/>
           </a:p>
@@ -858,9 +861,10 @@
           </a:lstStyle>
           <a:p>
             <a:r>
-              <a:rPr lang="en-US"/>
+              <a:rPr lang="en-US" smtClean="0"/>
               <a:t>Click to edit Master title style</a:t>
             </a:r>
+            <a:endParaRPr lang="en-US"/>
           </a:p>
         </p:txBody>
       </p:sp>
@@ -977,7 +981,7 @@
           <a:p>
             <a:pPr lvl="0"/>
             <a:r>
-              <a:rPr lang="en-US"/>
+              <a:rPr lang="en-US" smtClean="0"/>
               <a:t>Edit Master text styles</a:t>
             </a:r>
           </a:p>
@@ -1000,7 +1004,7 @@
           <a:p>
             <a:fld id="{7C8EC96E-A8D7-4C40-A2B8-E22CA9319E62}" type="datetimeFigureOut">
               <a:rPr lang="en-US" smtClean="0"/>
-              <a:t>8/19/2024</a:t>
+              <a:t>6/3/2021</a:t>
             </a:fld>
             <a:endParaRPr lang="en-US"/>
           </a:p>
@@ -1094,9 +1098,10 @@
           <a:lstStyle/>
           <a:p>
             <a:r>
-              <a:rPr lang="en-US"/>
+              <a:rPr lang="en-US" smtClean="0"/>
               <a:t>Click to edit Master title style</a:t>
             </a:r>
+            <a:endParaRPr lang="en-US"/>
           </a:p>
         </p:txBody>
       </p:sp>
@@ -1122,37 +1127,38 @@
           <a:p>
             <a:pPr lvl="0"/>
             <a:r>
-              <a:rPr lang="en-US"/>
+              <a:rPr lang="en-US" smtClean="0"/>
               <a:t>Edit Master text styles</a:t>
             </a:r>
           </a:p>
           <a:p>
             <a:pPr lvl="1"/>
             <a:r>
-              <a:rPr lang="en-US"/>
+              <a:rPr lang="en-US" smtClean="0"/>
               <a:t>Second level</a:t>
             </a:r>
           </a:p>
           <a:p>
             <a:pPr lvl="2"/>
             <a:r>
-              <a:rPr lang="en-US"/>
+              <a:rPr lang="en-US" smtClean="0"/>
               <a:t>Third level</a:t>
             </a:r>
           </a:p>
           <a:p>
             <a:pPr lvl="3"/>
             <a:r>
-              <a:rPr lang="en-US"/>
+              <a:rPr lang="en-US" smtClean="0"/>
               <a:t>Fourth level</a:t>
             </a:r>
           </a:p>
           <a:p>
             <a:pPr lvl="4"/>
             <a:r>
-              <a:rPr lang="en-US"/>
+              <a:rPr lang="en-US" smtClean="0"/>
               <a:t>Fifth level</a:t>
             </a:r>
+            <a:endParaRPr lang="en-US"/>
           </a:p>
         </p:txBody>
       </p:sp>
@@ -1178,37 +1184,38 @@
           <a:p>
             <a:pPr lvl="0"/>
             <a:r>
-              <a:rPr lang="en-US"/>
+              <a:rPr lang="en-US" smtClean="0"/>
               <a:t>Edit Master text styles</a:t>
             </a:r>
           </a:p>
           <a:p>
             <a:pPr lvl="1"/>
             <a:r>
-              <a:rPr lang="en-US"/>
+              <a:rPr lang="en-US" smtClean="0"/>
               <a:t>Second level</a:t>
             </a:r>
           </a:p>
           <a:p>
             <a:pPr lvl="2"/>
             <a:r>
-              <a:rPr lang="en-US"/>
+              <a:rPr lang="en-US" smtClean="0"/>
               <a:t>Third level</a:t>
             </a:r>
           </a:p>
           <a:p>
             <a:pPr lvl="3"/>
             <a:r>
-              <a:rPr lang="en-US"/>
+              <a:rPr lang="en-US" smtClean="0"/>
               <a:t>Fourth level</a:t>
             </a:r>
           </a:p>
           <a:p>
             <a:pPr lvl="4"/>
             <a:r>
-              <a:rPr lang="en-US"/>
+              <a:rPr lang="en-US" smtClean="0"/>
               <a:t>Fifth level</a:t>
             </a:r>
+            <a:endParaRPr lang="en-US"/>
           </a:p>
         </p:txBody>
       </p:sp>
@@ -1229,7 +1236,7 @@
           <a:p>
             <a:fld id="{7C8EC96E-A8D7-4C40-A2B8-E22CA9319E62}" type="datetimeFigureOut">
               <a:rPr lang="en-US" smtClean="0"/>
-              <a:t>8/19/2024</a:t>
+              <a:t>6/3/2021</a:t>
             </a:fld>
             <a:endParaRPr lang="en-US"/>
           </a:p>
@@ -1328,9 +1335,10 @@
           <a:lstStyle/>
           <a:p>
             <a:r>
-              <a:rPr lang="en-US"/>
+              <a:rPr lang="en-US" smtClean="0"/>
               <a:t>Click to edit Master title style</a:t>
             </a:r>
+            <a:endParaRPr lang="en-US"/>
           </a:p>
         </p:txBody>
       </p:sp>
@@ -1393,7 +1401,7 @@
           <a:p>
             <a:pPr lvl="0"/>
             <a:r>
-              <a:rPr lang="en-US"/>
+              <a:rPr lang="en-US" smtClean="0"/>
               <a:t>Edit Master text styles</a:t>
             </a:r>
           </a:p>
@@ -1421,37 +1429,38 @@
           <a:p>
             <a:pPr lvl="0"/>
             <a:r>
-              <a:rPr lang="en-US"/>
+              <a:rPr lang="en-US" smtClean="0"/>
               <a:t>Edit Master text styles</a:t>
             </a:r>
           </a:p>
           <a:p>
             <a:pPr lvl="1"/>
             <a:r>
-              <a:rPr lang="en-US"/>
+              <a:rPr lang="en-US" smtClean="0"/>
               <a:t>Second level</a:t>
             </a:r>
           </a:p>
           <a:p>
             <a:pPr lvl="2"/>
             <a:r>
-              <a:rPr lang="en-US"/>
+              <a:rPr lang="en-US" smtClean="0"/>
               <a:t>Third level</a:t>
             </a:r>
           </a:p>
           <a:p>
             <a:pPr lvl="3"/>
             <a:r>
-              <a:rPr lang="en-US"/>
+              <a:rPr lang="en-US" smtClean="0"/>
               <a:t>Fourth level</a:t>
             </a:r>
           </a:p>
           <a:p>
             <a:pPr lvl="4"/>
             <a:r>
-              <a:rPr lang="en-US"/>
+              <a:rPr lang="en-US" smtClean="0"/>
               <a:t>Fifth level</a:t>
             </a:r>
+            <a:endParaRPr lang="en-US"/>
           </a:p>
         </p:txBody>
       </p:sp>
@@ -1514,7 +1523,7 @@
           <a:p>
             <a:pPr lvl="0"/>
             <a:r>
-              <a:rPr lang="en-US"/>
+              <a:rPr lang="en-US" smtClean="0"/>
               <a:t>Edit Master text styles</a:t>
             </a:r>
           </a:p>
@@ -1542,37 +1551,38 @@
           <a:p>
             <a:pPr lvl="0"/>
             <a:r>
-              <a:rPr lang="en-US"/>
+              <a:rPr lang="en-US" smtClean="0"/>
               <a:t>Edit Master text styles</a:t>
             </a:r>
           </a:p>
           <a:p>
             <a:pPr lvl="1"/>
             <a:r>
-              <a:rPr lang="en-US"/>
+              <a:rPr lang="en-US" smtClean="0"/>
               <a:t>Second level</a:t>
             </a:r>
           </a:p>
           <a:p>
             <a:pPr lvl="2"/>
             <a:r>
-              <a:rPr lang="en-US"/>
+              <a:rPr lang="en-US" smtClean="0"/>
               <a:t>Third level</a:t>
             </a:r>
           </a:p>
           <a:p>
             <a:pPr lvl="3"/>
             <a:r>
-              <a:rPr lang="en-US"/>
+              <a:rPr lang="en-US" smtClean="0"/>
               <a:t>Fourth level</a:t>
             </a:r>
           </a:p>
           <a:p>
             <a:pPr lvl="4"/>
             <a:r>
-              <a:rPr lang="en-US"/>
+              <a:rPr lang="en-US" smtClean="0"/>
               <a:t>Fifth level</a:t>
             </a:r>
+            <a:endParaRPr lang="en-US"/>
           </a:p>
         </p:txBody>
       </p:sp>
@@ -1593,7 +1603,7 @@
           <a:p>
             <a:fld id="{7C8EC96E-A8D7-4C40-A2B8-E22CA9319E62}" type="datetimeFigureOut">
               <a:rPr lang="en-US" smtClean="0"/>
-              <a:t>8/19/2024</a:t>
+              <a:t>6/3/2021</a:t>
             </a:fld>
             <a:endParaRPr lang="en-US"/>
           </a:p>
@@ -1687,9 +1697,10 @@
           <a:lstStyle/>
           <a:p>
             <a:r>
-              <a:rPr lang="en-US"/>
+              <a:rPr lang="en-US" smtClean="0"/>
               <a:t>Click to edit Master title style</a:t>
             </a:r>
+            <a:endParaRPr lang="en-US"/>
           </a:p>
         </p:txBody>
       </p:sp>
@@ -1710,7 +1721,7 @@
           <a:p>
             <a:fld id="{7C8EC96E-A8D7-4C40-A2B8-E22CA9319E62}" type="datetimeFigureOut">
               <a:rPr lang="en-US" smtClean="0"/>
-              <a:t>8/19/2024</a:t>
+              <a:t>6/3/2021</a:t>
             </a:fld>
             <a:endParaRPr lang="en-US"/>
           </a:p>
@@ -1805,7 +1816,7 @@
           <a:p>
             <a:fld id="{7C8EC96E-A8D7-4C40-A2B8-E22CA9319E62}" type="datetimeFigureOut">
               <a:rPr lang="en-US" smtClean="0"/>
-              <a:t>8/19/2024</a:t>
+              <a:t>6/3/2021</a:t>
             </a:fld>
             <a:endParaRPr lang="en-US"/>
           </a:p>
@@ -1908,9 +1919,10 @@
           </a:lstStyle>
           <a:p>
             <a:r>
-              <a:rPr lang="en-US"/>
+              <a:rPr lang="en-US" smtClean="0"/>
               <a:t>Click to edit Master title style</a:t>
             </a:r>
+            <a:endParaRPr lang="en-US"/>
           </a:p>
         </p:txBody>
       </p:sp>
@@ -1964,37 +1976,38 @@
           <a:p>
             <a:pPr lvl="0"/>
             <a:r>
-              <a:rPr lang="en-US"/>
+              <a:rPr lang="en-US" smtClean="0"/>
               <a:t>Edit Master text styles</a:t>
             </a:r>
           </a:p>
           <a:p>
             <a:pPr lvl="1"/>
             <a:r>
-              <a:rPr lang="en-US"/>
+              <a:rPr lang="en-US" smtClean="0"/>
               <a:t>Second level</a:t>
             </a:r>
           </a:p>
           <a:p>
             <a:pPr lvl="2"/>
             <a:r>
-              <a:rPr lang="en-US"/>
+              <a:rPr lang="en-US" smtClean="0"/>
               <a:t>Third level</a:t>
             </a:r>
           </a:p>
           <a:p>
             <a:pPr lvl="3"/>
             <a:r>
-              <a:rPr lang="en-US"/>
+              <a:rPr lang="en-US" smtClean="0"/>
               <a:t>Fourth level</a:t>
             </a:r>
           </a:p>
           <a:p>
             <a:pPr lvl="4"/>
             <a:r>
-              <a:rPr lang="en-US"/>
+              <a:rPr lang="en-US" smtClean="0"/>
               <a:t>Fifth level</a:t>
             </a:r>
+            <a:endParaRPr lang="en-US"/>
           </a:p>
         </p:txBody>
       </p:sp>
@@ -2057,7 +2070,7 @@
           <a:p>
             <a:pPr lvl="0"/>
             <a:r>
-              <a:rPr lang="en-US"/>
+              <a:rPr lang="en-US" smtClean="0"/>
               <a:t>Edit Master text styles</a:t>
             </a:r>
           </a:p>
@@ -2080,7 +2093,7 @@
           <a:p>
             <a:fld id="{7C8EC96E-A8D7-4C40-A2B8-E22CA9319E62}" type="datetimeFigureOut">
               <a:rPr lang="en-US" smtClean="0"/>
-              <a:t>8/19/2024</a:t>
+              <a:t>6/3/2021</a:t>
             </a:fld>
             <a:endParaRPr lang="en-US"/>
           </a:p>
@@ -2183,9 +2196,10 @@
           </a:lstStyle>
           <a:p>
             <a:r>
-              <a:rPr lang="en-US"/>
+              <a:rPr lang="en-US" smtClean="0"/>
               <a:t>Click to edit Master title style</a:t>
             </a:r>
+            <a:endParaRPr lang="en-US"/>
           </a:p>
         </p:txBody>
       </p:sp>
@@ -2309,7 +2323,7 @@
           <a:p>
             <a:pPr lvl="0"/>
             <a:r>
-              <a:rPr lang="en-US"/>
+              <a:rPr lang="en-US" smtClean="0"/>
               <a:t>Edit Master text styles</a:t>
             </a:r>
           </a:p>
@@ -2332,7 +2346,7 @@
           <a:p>
             <a:fld id="{7C8EC96E-A8D7-4C40-A2B8-E22CA9319E62}" type="datetimeFigureOut">
               <a:rPr lang="en-US" smtClean="0"/>
-              <a:t>8/19/2024</a:t>
+              <a:t>6/3/2021</a:t>
             </a:fld>
             <a:endParaRPr lang="en-US"/>
           </a:p>
@@ -2441,9 +2455,10 @@
           <a:lstStyle/>
           <a:p>
             <a:r>
-              <a:rPr lang="en-US"/>
+              <a:rPr lang="en-US" smtClean="0"/>
               <a:t>Click to edit Master title style</a:t>
             </a:r>
+            <a:endParaRPr lang="en-US"/>
           </a:p>
         </p:txBody>
       </p:sp>
@@ -2474,37 +2489,38 @@
           <a:p>
             <a:pPr lvl="0"/>
             <a:r>
-              <a:rPr lang="en-US"/>
+              <a:rPr lang="en-US" smtClean="0"/>
               <a:t>Edit Master text styles</a:t>
             </a:r>
           </a:p>
           <a:p>
             <a:pPr lvl="1"/>
             <a:r>
-              <a:rPr lang="en-US"/>
+              <a:rPr lang="en-US" smtClean="0"/>
               <a:t>Second level</a:t>
             </a:r>
           </a:p>
           <a:p>
             <a:pPr lvl="2"/>
             <a:r>
-              <a:rPr lang="en-US"/>
+              <a:rPr lang="en-US" smtClean="0"/>
               <a:t>Third level</a:t>
             </a:r>
           </a:p>
           <a:p>
             <a:pPr lvl="3"/>
             <a:r>
-              <a:rPr lang="en-US"/>
+              <a:rPr lang="en-US" smtClean="0"/>
               <a:t>Fourth level</a:t>
             </a:r>
           </a:p>
           <a:p>
             <a:pPr lvl="4"/>
             <a:r>
-              <a:rPr lang="en-US"/>
+              <a:rPr lang="en-US" smtClean="0"/>
               <a:t>Fifth level</a:t>
             </a:r>
+            <a:endParaRPr lang="en-US"/>
           </a:p>
         </p:txBody>
       </p:sp>
@@ -2543,7 +2559,7 @@
           <a:p>
             <a:fld id="{7C8EC96E-A8D7-4C40-A2B8-E22CA9319E62}" type="datetimeFigureOut">
               <a:rPr lang="en-US" smtClean="0"/>
-              <a:t>8/19/2024</a:t>
+              <a:t>6/3/2021</a:t>
             </a:fld>
             <a:endParaRPr lang="en-US"/>
           </a:p>
@@ -2985,11 +3001,17 @@
           <a:lstStyle/>
           <a:p>
             <a:r>
-              <a:rPr lang="en-US" sz="5400"/>
-              <a:t>Faizal Leviansyah</a:t>
-            </a:r>
-          </a:p>
-          <a:p>
+              <a:rPr lang="en-US" sz="5400" dirty="0" err="1" smtClean="0"/>
+              <a:t>Agus</a:t>
+            </a:r>
+            <a:r>
+              <a:rPr lang="en-US" sz="5400" dirty="0" smtClean="0"/>
+              <a:t> </a:t>
+            </a:r>
+            <a:r>
+              <a:rPr lang="en-US" sz="5400" dirty="0" err="1" smtClean="0"/>
+              <a:t>Sepriyandiansah</a:t>
+            </a:r>
             <a:endParaRPr lang="en-US" sz="5400" dirty="0"/>
           </a:p>
         </p:txBody>
